--- a/APRESENTACAO/apresentacao.pptx
+++ b/APRESENTACAO/apresentacao.pptx
@@ -3444,7 +3444,7 @@
                 <a:latin typeface="Arial" panose="020B0604020202020204" pitchFamily="34" charset="0"/>
                 <a:cs typeface="Arial" panose="020B0604020202020204" pitchFamily="34" charset="0"/>
               </a:rPr>
-              <a:t>CENTRO DE CIÊNCIA E TECNLOGIA</a:t>
+              <a:t>CENTRO DE CIÊNCIA E TECNOLOGIA</a:t>
             </a:r>
           </a:p>
           <a:p>
@@ -7446,7 +7446,7 @@
             <p:ph idx="1"/>
             <p:extLst>
               <p:ext uri="{D42A27DB-BD31-4B8C-83A1-F6EECF244321}">
-                <p14:modId xmlns:p14="http://schemas.microsoft.com/office/powerpoint/2010/main" val="2382505855"/>
+                <p14:modId xmlns:p14="http://schemas.microsoft.com/office/powerpoint/2010/main" val="3398222137"/>
               </p:ext>
             </p:extLst>
           </p:nvPr>
@@ -7740,7 +7740,7 @@
                         </a:spcAft>
                       </a:pPr>
                       <a:r>
-                        <a:rPr lang="pt-PT" sz="1600" dirty="0">
+                        <a:rPr lang="pt-PT" sz="1600" b="1" dirty="0">
                           <a:solidFill>
                             <a:srgbClr val="FFF800"/>
                           </a:solidFill>
@@ -7750,7 +7750,7 @@
                         </a:rPr>
                         <a:t>0000</a:t>
                       </a:r>
-                      <a:endParaRPr lang="pt-BR" sz="1600" dirty="0">
+                      <a:endParaRPr lang="pt-BR" sz="1600" b="1" dirty="0">
                         <a:solidFill>
                           <a:srgbClr val="FFF800"/>
                         </a:solidFill>
@@ -7814,7 +7814,7 @@
                     <a:p>
                       <a:pPr algn="ctr"/>
                       <a:r>
-                        <a:rPr lang="pt-PT" sz="1600" dirty="0">
+                        <a:rPr lang="pt-PT" sz="1600" b="1" dirty="0">
                           <a:solidFill>
                             <a:srgbClr val="FFF800"/>
                           </a:solidFill>
@@ -7824,7 +7824,7 @@
                         </a:rPr>
                         <a:t>ADD</a:t>
                       </a:r>
-                      <a:endParaRPr lang="pt-BR" sz="1600" dirty="0">
+                      <a:endParaRPr lang="pt-BR" sz="1600" b="1" dirty="0">
                         <a:solidFill>
                           <a:srgbClr val="FFF800"/>
                         </a:solidFill>
@@ -7888,7 +7888,7 @@
                     <a:p>
                       <a:pPr algn="ctr"/>
                       <a:r>
-                        <a:rPr lang="pt-PT" sz="1600" dirty="0">
+                        <a:rPr lang="pt-PT" sz="1600" b="1" dirty="0">
                           <a:solidFill>
                             <a:srgbClr val="FFF800"/>
                           </a:solidFill>
@@ -7898,7 +7898,7 @@
                         </a:rPr>
                         <a:t>R</a:t>
                       </a:r>
-                      <a:endParaRPr lang="pt-BR" sz="1600" dirty="0">
+                      <a:endParaRPr lang="pt-BR" sz="1600" b="1" dirty="0">
                         <a:solidFill>
                           <a:srgbClr val="FFF800"/>
                         </a:solidFill>
@@ -7962,7 +7962,7 @@
                     <a:p>
                       <a:pPr algn="ctr"/>
                       <a:r>
-                        <a:rPr lang="pt-PT" sz="1600" dirty="0">
+                        <a:rPr lang="pt-PT" sz="1600" b="1" dirty="0">
                           <a:solidFill>
                             <a:srgbClr val="FFF800"/>
                           </a:solidFill>
@@ -7972,7 +7972,7 @@
                         </a:rPr>
                         <a:t>SOMA</a:t>
                       </a:r>
-                      <a:endParaRPr lang="pt-BR" sz="1600" dirty="0">
+                      <a:endParaRPr lang="pt-BR" sz="1600" b="1" dirty="0">
                         <a:solidFill>
                           <a:srgbClr val="FFF800"/>
                         </a:solidFill>
@@ -8036,7 +8036,7 @@
                     <a:p>
                       <a:pPr algn="ctr"/>
                       <a:r>
-                        <a:rPr lang="pt-PT" sz="1600" dirty="0">
+                        <a:rPr lang="pt-PT" sz="1600" b="1" dirty="0">
                           <a:solidFill>
                             <a:srgbClr val="FFF800"/>
                           </a:solidFill>
@@ -8046,7 +8046,7 @@
                         </a:rPr>
                         <a:t>ADD $S0, $S1</a:t>
                       </a:r>
-                      <a:endParaRPr lang="pt-BR" sz="1600" dirty="0">
+                      <a:endParaRPr lang="pt-BR" sz="1600" b="1" dirty="0">
                         <a:solidFill>
                           <a:srgbClr val="FFF800"/>
                         </a:solidFill>
@@ -8118,7 +8118,7 @@
                         </a:spcAft>
                       </a:pPr>
                       <a:r>
-                        <a:rPr lang="pt-PT" sz="1600" dirty="0">
+                        <a:rPr lang="pt-PT" sz="1600" b="1" dirty="0">
                           <a:solidFill>
                             <a:srgbClr val="FFF800"/>
                           </a:solidFill>
@@ -8128,7 +8128,7 @@
                         </a:rPr>
                         <a:t>0001</a:t>
                       </a:r>
-                      <a:endParaRPr lang="pt-BR" sz="1600" dirty="0">
+                      <a:endParaRPr lang="pt-BR" sz="1600" b="1" dirty="0">
                         <a:solidFill>
                           <a:srgbClr val="FFF800"/>
                         </a:solidFill>
@@ -8196,7 +8196,7 @@
                     <a:p>
                       <a:pPr algn="ctr"/>
                       <a:r>
-                        <a:rPr lang="pt-PT" sz="1600" dirty="0">
+                        <a:rPr lang="pt-PT" sz="1600" b="1" dirty="0">
                           <a:solidFill>
                             <a:srgbClr val="FFF800"/>
                           </a:solidFill>
@@ -8206,7 +8206,7 @@
                         </a:rPr>
                         <a:t>ADDI</a:t>
                       </a:r>
-                      <a:endParaRPr lang="pt-BR" sz="1600" dirty="0">
+                      <a:endParaRPr lang="pt-BR" sz="1600" b="1" dirty="0">
                         <a:solidFill>
                           <a:srgbClr val="FFF800"/>
                         </a:solidFill>
@@ -8274,7 +8274,7 @@
                     <a:p>
                       <a:pPr algn="ctr"/>
                       <a:r>
-                        <a:rPr lang="pt-PT" sz="1600">
+                        <a:rPr lang="pt-PT" sz="1600" b="1">
                           <a:solidFill>
                             <a:srgbClr val="FFF800"/>
                           </a:solidFill>
@@ -8284,7 +8284,7 @@
                         </a:rPr>
                         <a:t>I</a:t>
                       </a:r>
-                      <a:endParaRPr lang="pt-BR" sz="1600">
+                      <a:endParaRPr lang="pt-BR" sz="1600" b="1">
                         <a:solidFill>
                           <a:srgbClr val="FFF800"/>
                         </a:solidFill>
@@ -8352,7 +8352,7 @@
                     <a:p>
                       <a:pPr algn="ctr"/>
                       <a:r>
-                        <a:rPr lang="pt-PT" sz="1600">
+                        <a:rPr lang="pt-PT" sz="1600" b="1">
                           <a:solidFill>
                             <a:srgbClr val="FFF800"/>
                           </a:solidFill>
@@ -8362,7 +8362,7 @@
                         </a:rPr>
                         <a:t>SOMA IMEDIATA</a:t>
                       </a:r>
-                      <a:endParaRPr lang="pt-BR" sz="1600">
+                      <a:endParaRPr lang="pt-BR" sz="1600" b="1">
                         <a:solidFill>
                           <a:srgbClr val="FFF800"/>
                         </a:solidFill>
@@ -8430,7 +8430,7 @@
                     <a:p>
                       <a:pPr algn="ctr"/>
                       <a:r>
-                        <a:rPr lang="pt-PT" sz="1600" dirty="0">
+                        <a:rPr lang="pt-PT" sz="1600" b="1" dirty="0">
                           <a:solidFill>
                             <a:srgbClr val="FFF800"/>
                           </a:solidFill>
@@ -8440,7 +8440,7 @@
                         </a:rPr>
                         <a:t>ADDI $S0, 2</a:t>
                       </a:r>
-                      <a:endParaRPr lang="pt-BR" sz="1600" dirty="0">
+                      <a:endParaRPr lang="pt-BR" sz="1600" b="1" dirty="0">
                         <a:solidFill>
                           <a:srgbClr val="FFF800"/>
                         </a:solidFill>
@@ -8516,7 +8516,7 @@
                         </a:spcAft>
                       </a:pPr>
                       <a:r>
-                        <a:rPr lang="pt-PT" sz="1600" dirty="0">
+                        <a:rPr lang="pt-PT" sz="1600" b="1" dirty="0">
                           <a:solidFill>
                             <a:srgbClr val="FFF800"/>
                           </a:solidFill>
@@ -8526,7 +8526,7 @@
                         </a:rPr>
                         <a:t>0010</a:t>
                       </a:r>
-                      <a:endParaRPr lang="pt-BR" sz="1600" dirty="0">
+                      <a:endParaRPr lang="pt-BR" sz="1600" b="1" dirty="0">
                         <a:solidFill>
                           <a:srgbClr val="FFF800"/>
                         </a:solidFill>
@@ -8596,7 +8596,7 @@
                     <a:p>
                       <a:pPr algn="ctr"/>
                       <a:r>
-                        <a:rPr lang="pt-PT" sz="1600" dirty="0">
+                        <a:rPr lang="pt-PT" sz="1600" b="1" dirty="0">
                           <a:solidFill>
                             <a:srgbClr val="FFF800"/>
                           </a:solidFill>
@@ -8606,7 +8606,7 @@
                         </a:rPr>
                         <a:t>SUB</a:t>
                       </a:r>
-                      <a:endParaRPr lang="pt-BR" sz="1600" dirty="0">
+                      <a:endParaRPr lang="pt-BR" sz="1600" b="1" dirty="0">
                         <a:solidFill>
                           <a:srgbClr val="FFF800"/>
                         </a:solidFill>
@@ -8676,7 +8676,7 @@
                     <a:p>
                       <a:pPr algn="ctr"/>
                       <a:r>
-                        <a:rPr lang="pt-PT" sz="1600" dirty="0">
+                        <a:rPr lang="pt-PT" sz="1600" b="1" dirty="0">
                           <a:solidFill>
                             <a:srgbClr val="FFF800"/>
                           </a:solidFill>
@@ -8686,7 +8686,7 @@
                         </a:rPr>
                         <a:t>R</a:t>
                       </a:r>
-                      <a:endParaRPr lang="pt-BR" sz="1600" dirty="0">
+                      <a:endParaRPr lang="pt-BR" sz="1600" b="1" dirty="0">
                         <a:solidFill>
                           <a:srgbClr val="FFF800"/>
                         </a:solidFill>
@@ -8756,7 +8756,7 @@
                     <a:p>
                       <a:pPr algn="ctr"/>
                       <a:r>
-                        <a:rPr lang="pt-PT" sz="1600">
+                        <a:rPr lang="pt-PT" sz="1600" b="1">
                           <a:solidFill>
                             <a:srgbClr val="FFF800"/>
                           </a:solidFill>
@@ -8766,7 +8766,7 @@
                         </a:rPr>
                         <a:t>SUBTRAÇÃO</a:t>
                       </a:r>
-                      <a:endParaRPr lang="pt-BR" sz="1600">
+                      <a:endParaRPr lang="pt-BR" sz="1600" b="1">
                         <a:solidFill>
                           <a:srgbClr val="FFF800"/>
                         </a:solidFill>
@@ -8836,7 +8836,7 @@
                     <a:p>
                       <a:pPr algn="ctr"/>
                       <a:r>
-                        <a:rPr lang="pt-PT" sz="1600" dirty="0">
+                        <a:rPr lang="pt-PT" sz="1600" b="1" dirty="0">
                           <a:solidFill>
                             <a:srgbClr val="FFF800"/>
                           </a:solidFill>
@@ -8846,7 +8846,7 @@
                         </a:rPr>
                         <a:t>SUB $S0, $S1</a:t>
                       </a:r>
-                      <a:endParaRPr lang="pt-BR" sz="1600" dirty="0">
+                      <a:endParaRPr lang="pt-BR" sz="1600" b="1" dirty="0">
                         <a:solidFill>
                           <a:srgbClr val="FFF800"/>
                         </a:solidFill>
@@ -8924,7 +8924,7 @@
                         </a:spcAft>
                       </a:pPr>
                       <a:r>
-                        <a:rPr lang="pt-PT" sz="1600" dirty="0">
+                        <a:rPr lang="pt-PT" sz="1600" b="1" dirty="0">
                           <a:solidFill>
                             <a:srgbClr val="FFF800"/>
                           </a:solidFill>
@@ -8934,7 +8934,7 @@
                         </a:rPr>
                         <a:t>0011</a:t>
                       </a:r>
-                      <a:endParaRPr lang="pt-BR" sz="1600" dirty="0">
+                      <a:endParaRPr lang="pt-BR" sz="1600" b="1" dirty="0">
                         <a:solidFill>
                           <a:srgbClr val="FFF800"/>
                         </a:solidFill>
@@ -9002,7 +9002,7 @@
                     <a:p>
                       <a:pPr algn="ctr"/>
                       <a:r>
-                        <a:rPr lang="pt-PT" sz="1600" dirty="0">
+                        <a:rPr lang="pt-PT" sz="1600" b="1" dirty="0">
                           <a:solidFill>
                             <a:srgbClr val="FFF800"/>
                           </a:solidFill>
@@ -9012,7 +9012,7 @@
                         </a:rPr>
                         <a:t>SUBI</a:t>
                       </a:r>
-                      <a:endParaRPr lang="pt-BR" sz="1600" dirty="0">
+                      <a:endParaRPr lang="pt-BR" sz="1600" b="1" dirty="0">
                         <a:solidFill>
                           <a:srgbClr val="FFF800"/>
                         </a:solidFill>
@@ -9080,7 +9080,7 @@
                     <a:p>
                       <a:pPr algn="ctr"/>
                       <a:r>
-                        <a:rPr lang="pt-PT" sz="1600" dirty="0">
+                        <a:rPr lang="pt-PT" sz="1600" b="1" dirty="0">
                           <a:solidFill>
                             <a:srgbClr val="FFF800"/>
                           </a:solidFill>
@@ -9090,7 +9090,7 @@
                         </a:rPr>
                         <a:t>I</a:t>
                       </a:r>
-                      <a:endParaRPr lang="pt-BR" sz="1600" dirty="0">
+                      <a:endParaRPr lang="pt-BR" sz="1600" b="1" dirty="0">
                         <a:solidFill>
                           <a:srgbClr val="FFF800"/>
                         </a:solidFill>
@@ -9158,7 +9158,7 @@
                     <a:p>
                       <a:pPr algn="ctr"/>
                       <a:r>
-                        <a:rPr lang="pt-PT" sz="1600">
+                        <a:rPr lang="pt-PT" sz="1600" b="1">
                           <a:solidFill>
                             <a:srgbClr val="FFF800"/>
                           </a:solidFill>
@@ -9168,7 +9168,7 @@
                         </a:rPr>
                         <a:t>SUBTRAÇÃO IMEDIATA</a:t>
                       </a:r>
-                      <a:endParaRPr lang="pt-BR" sz="1600">
+                      <a:endParaRPr lang="pt-BR" sz="1600" b="1">
                         <a:solidFill>
                           <a:srgbClr val="FFF800"/>
                         </a:solidFill>
@@ -9236,7 +9236,7 @@
                     <a:p>
                       <a:pPr algn="ctr"/>
                       <a:r>
-                        <a:rPr lang="pt-PT" sz="1600" dirty="0">
+                        <a:rPr lang="pt-PT" sz="1600" b="1" dirty="0">
                           <a:solidFill>
                             <a:srgbClr val="FFF800"/>
                           </a:solidFill>
@@ -9246,7 +9246,7 @@
                         </a:rPr>
                         <a:t>SUBI $S0, 5</a:t>
                       </a:r>
-                      <a:endParaRPr lang="pt-BR" sz="1600" dirty="0">
+                      <a:endParaRPr lang="pt-BR" sz="1600" b="1" dirty="0">
                         <a:solidFill>
                           <a:srgbClr val="FFF800"/>
                         </a:solidFill>
@@ -9322,7 +9322,7 @@
                         </a:spcAft>
                       </a:pPr>
                       <a:r>
-                        <a:rPr lang="pt-PT" sz="1600" dirty="0">
+                        <a:rPr lang="pt-PT" sz="1600" b="1" dirty="0">
                           <a:solidFill>
                             <a:srgbClr val="FFF800"/>
                           </a:solidFill>
@@ -9332,7 +9332,7 @@
                         </a:rPr>
                         <a:t>0100</a:t>
                       </a:r>
-                      <a:endParaRPr lang="pt-BR" sz="1600" dirty="0">
+                      <a:endParaRPr lang="pt-BR" sz="1600" b="1" dirty="0">
                         <a:solidFill>
                           <a:srgbClr val="FFF800"/>
                         </a:solidFill>
@@ -9402,7 +9402,7 @@
                     <a:p>
                       <a:pPr algn="ctr"/>
                       <a:r>
-                        <a:rPr lang="pt-PT" sz="1600" dirty="0">
+                        <a:rPr lang="pt-PT" sz="1600" b="1" dirty="0">
                           <a:solidFill>
                             <a:srgbClr val="FFF800"/>
                           </a:solidFill>
@@ -9412,7 +9412,7 @@
                         </a:rPr>
                         <a:t>MUL</a:t>
                       </a:r>
-                      <a:endParaRPr lang="pt-BR" sz="1600" dirty="0">
+                      <a:endParaRPr lang="pt-BR" sz="1600" b="1" dirty="0">
                         <a:solidFill>
                           <a:srgbClr val="FFF800"/>
                         </a:solidFill>
@@ -9482,7 +9482,7 @@
                     <a:p>
                       <a:pPr algn="ctr"/>
                       <a:r>
-                        <a:rPr lang="pt-PT" sz="1600" dirty="0">
+                        <a:rPr lang="pt-PT" sz="1600" b="1" dirty="0">
                           <a:solidFill>
                             <a:srgbClr val="FFF800"/>
                           </a:solidFill>
@@ -9492,7 +9492,7 @@
                         </a:rPr>
                         <a:t>R</a:t>
                       </a:r>
-                      <a:endParaRPr lang="pt-BR" sz="1600" dirty="0">
+                      <a:endParaRPr lang="pt-BR" sz="1600" b="1" dirty="0">
                         <a:solidFill>
                           <a:srgbClr val="FFF800"/>
                         </a:solidFill>
@@ -9562,7 +9562,7 @@
                     <a:p>
                       <a:pPr algn="ctr"/>
                       <a:r>
-                        <a:rPr lang="pt-PT" sz="1600" dirty="0">
+                        <a:rPr lang="pt-PT" sz="1600" b="1" dirty="0">
                           <a:solidFill>
                             <a:srgbClr val="FFF800"/>
                           </a:solidFill>
@@ -9572,7 +9572,7 @@
                         </a:rPr>
                         <a:t>MULTIPLICAÇÃO</a:t>
                       </a:r>
-                      <a:endParaRPr lang="pt-BR" sz="1600" dirty="0">
+                      <a:endParaRPr lang="pt-BR" sz="1600" b="1" dirty="0">
                         <a:solidFill>
                           <a:srgbClr val="FFF800"/>
                         </a:solidFill>
@@ -9642,7 +9642,7 @@
                     <a:p>
                       <a:pPr algn="ctr"/>
                       <a:r>
-                        <a:rPr lang="pt-PT" sz="1600" dirty="0">
+                        <a:rPr lang="pt-PT" sz="1600" b="1" dirty="0">
                           <a:solidFill>
                             <a:srgbClr val="FFF800"/>
                           </a:solidFill>
@@ -9652,7 +9652,7 @@
                         </a:rPr>
                         <a:t>MUL $S0, $S1</a:t>
                       </a:r>
-                      <a:endParaRPr lang="pt-BR" sz="1600" dirty="0">
+                      <a:endParaRPr lang="pt-BR" sz="1600" b="1" dirty="0">
                         <a:solidFill>
                           <a:srgbClr val="FFF800"/>
                         </a:solidFill>
@@ -9730,7 +9730,7 @@
                         </a:spcAft>
                       </a:pPr>
                       <a:r>
-                        <a:rPr lang="pt-PT" sz="1600" dirty="0">
+                        <a:rPr lang="pt-PT" sz="1600" b="1" dirty="0">
                           <a:solidFill>
                             <a:srgbClr val="FFF800"/>
                           </a:solidFill>
@@ -9740,7 +9740,7 @@
                         </a:rPr>
                         <a:t>0101</a:t>
                       </a:r>
-                      <a:endParaRPr lang="pt-BR" sz="1600" dirty="0">
+                      <a:endParaRPr lang="pt-BR" sz="1600" b="1" dirty="0">
                         <a:solidFill>
                           <a:srgbClr val="FFF800"/>
                         </a:solidFill>
@@ -9808,7 +9808,7 @@
                     <a:p>
                       <a:pPr algn="ctr"/>
                       <a:r>
-                        <a:rPr lang="pt-PT" sz="1600">
+                        <a:rPr lang="pt-PT" sz="1600" b="1" dirty="0">
                           <a:solidFill>
                             <a:srgbClr val="FFF800"/>
                           </a:solidFill>
@@ -9818,7 +9818,7 @@
                         </a:rPr>
                         <a:t>LW</a:t>
                       </a:r>
-                      <a:endParaRPr lang="pt-BR" sz="1600">
+                      <a:endParaRPr lang="pt-BR" sz="1600" b="1" dirty="0">
                         <a:solidFill>
                           <a:srgbClr val="FFF800"/>
                         </a:solidFill>
@@ -9886,7 +9886,7 @@
                     <a:p>
                       <a:pPr algn="ctr"/>
                       <a:r>
-                        <a:rPr lang="pt-PT" sz="1600" dirty="0">
+                        <a:rPr lang="pt-PT" sz="1600" b="1" dirty="0">
                           <a:solidFill>
                             <a:srgbClr val="FFF800"/>
                           </a:solidFill>
@@ -9896,7 +9896,7 @@
                         </a:rPr>
                         <a:t>I</a:t>
                       </a:r>
-                      <a:endParaRPr lang="pt-BR" sz="1600" dirty="0">
+                      <a:endParaRPr lang="pt-BR" sz="1600" b="1" dirty="0">
                         <a:solidFill>
                           <a:srgbClr val="FFF800"/>
                         </a:solidFill>
@@ -9964,7 +9964,7 @@
                     <a:p>
                       <a:pPr algn="ctr"/>
                       <a:r>
-                        <a:rPr lang="pt-PT" sz="1600" dirty="0">
+                        <a:rPr lang="pt-PT" sz="1600" b="1" dirty="0">
                           <a:solidFill>
                             <a:srgbClr val="FFF800"/>
                           </a:solidFill>
@@ -9974,7 +9974,7 @@
                         </a:rPr>
                         <a:t>LOAD WORD</a:t>
                       </a:r>
-                      <a:endParaRPr lang="pt-BR" sz="1600" dirty="0">
+                      <a:endParaRPr lang="pt-BR" sz="1600" b="1" dirty="0">
                         <a:solidFill>
                           <a:srgbClr val="FFF800"/>
                         </a:solidFill>
@@ -10042,7 +10042,7 @@
                     <a:p>
                       <a:pPr algn="ctr"/>
                       <a:r>
-                        <a:rPr lang="pt-PT" sz="1600" dirty="0">
+                        <a:rPr lang="pt-PT" sz="1600" b="1" dirty="0">
                           <a:solidFill>
                             <a:srgbClr val="FFF800"/>
                           </a:solidFill>
@@ -10052,7 +10052,7 @@
                         </a:rPr>
                         <a:t>LW $S0 MEM (00)</a:t>
                       </a:r>
-                      <a:endParaRPr lang="pt-BR" sz="1600" dirty="0">
+                      <a:endParaRPr lang="pt-BR" sz="1600" b="1" dirty="0">
                         <a:solidFill>
                           <a:srgbClr val="FFF800"/>
                         </a:solidFill>
@@ -10128,7 +10128,7 @@
                         </a:spcAft>
                       </a:pPr>
                       <a:r>
-                        <a:rPr lang="pt-PT" sz="1600" dirty="0">
+                        <a:rPr lang="pt-PT" sz="1600" b="1" dirty="0">
                           <a:solidFill>
                             <a:srgbClr val="FFF800"/>
                           </a:solidFill>
@@ -10138,7 +10138,7 @@
                         </a:rPr>
                         <a:t>0110</a:t>
                       </a:r>
-                      <a:endParaRPr lang="pt-BR" sz="1600" dirty="0">
+                      <a:endParaRPr lang="pt-BR" sz="1600" b="1" dirty="0">
                         <a:solidFill>
                           <a:srgbClr val="FFF800"/>
                         </a:solidFill>
@@ -10208,7 +10208,7 @@
                     <a:p>
                       <a:pPr algn="ctr"/>
                       <a:r>
-                        <a:rPr lang="pt-PT" sz="1600">
+                        <a:rPr lang="pt-PT" sz="1600" b="1">
                           <a:solidFill>
                             <a:srgbClr val="FFF800"/>
                           </a:solidFill>
@@ -10218,7 +10218,7 @@
                         </a:rPr>
                         <a:t>SW</a:t>
                       </a:r>
-                      <a:endParaRPr lang="pt-BR" sz="1600">
+                      <a:endParaRPr lang="pt-BR" sz="1600" b="1">
                         <a:solidFill>
                           <a:srgbClr val="FFF800"/>
                         </a:solidFill>
@@ -10288,7 +10288,7 @@
                     <a:p>
                       <a:pPr algn="ctr"/>
                       <a:r>
-                        <a:rPr lang="pt-PT" sz="1600">
+                        <a:rPr lang="pt-PT" sz="1600" b="1" dirty="0">
                           <a:solidFill>
                             <a:srgbClr val="FFF800"/>
                           </a:solidFill>
@@ -10298,7 +10298,7 @@
                         </a:rPr>
                         <a:t>I</a:t>
                       </a:r>
-                      <a:endParaRPr lang="pt-BR" sz="1600">
+                      <a:endParaRPr lang="pt-BR" sz="1600" b="1" dirty="0">
                         <a:solidFill>
                           <a:srgbClr val="FFF800"/>
                         </a:solidFill>
@@ -10368,7 +10368,7 @@
                     <a:p>
                       <a:pPr algn="ctr"/>
                       <a:r>
-                        <a:rPr lang="pt-PT" sz="1600" dirty="0">
+                        <a:rPr lang="pt-PT" sz="1600" b="1" dirty="0">
                           <a:solidFill>
                             <a:srgbClr val="FFF800"/>
                           </a:solidFill>
@@ -10378,7 +10378,7 @@
                         </a:rPr>
                         <a:t>STORE WORD</a:t>
                       </a:r>
-                      <a:endParaRPr lang="pt-BR" sz="1600" dirty="0">
+                      <a:endParaRPr lang="pt-BR" sz="1600" b="1" dirty="0">
                         <a:solidFill>
                           <a:srgbClr val="FFF800"/>
                         </a:solidFill>
@@ -10448,7 +10448,7 @@
                     <a:p>
                       <a:pPr algn="ctr"/>
                       <a:r>
-                        <a:rPr lang="pt-PT" sz="1600" dirty="0">
+                        <a:rPr lang="pt-PT" sz="1600" b="1" dirty="0">
                           <a:solidFill>
                             <a:srgbClr val="FFF800"/>
                           </a:solidFill>
@@ -10458,7 +10458,7 @@
                         </a:rPr>
                         <a:t>SW $S0 MEM (00)</a:t>
                       </a:r>
-                      <a:endParaRPr lang="pt-BR" sz="1600" dirty="0">
+                      <a:endParaRPr lang="pt-BR" sz="1600" b="1" dirty="0">
                         <a:solidFill>
                           <a:srgbClr val="FFF800"/>
                         </a:solidFill>
@@ -10536,7 +10536,7 @@
                         </a:spcAft>
                       </a:pPr>
                       <a:r>
-                        <a:rPr lang="pt-PT" sz="1600" dirty="0">
+                        <a:rPr lang="pt-PT" sz="1600" b="1" dirty="0">
                           <a:solidFill>
                             <a:srgbClr val="FFF800"/>
                           </a:solidFill>
@@ -10546,7 +10546,7 @@
                         </a:rPr>
                         <a:t>0111</a:t>
                       </a:r>
-                      <a:endParaRPr lang="pt-BR" sz="1600" dirty="0">
+                      <a:endParaRPr lang="pt-BR" sz="1600" b="1" dirty="0">
                         <a:solidFill>
                           <a:srgbClr val="FFF800"/>
                         </a:solidFill>
@@ -10614,7 +10614,7 @@
                     <a:p>
                       <a:pPr algn="ctr"/>
                       <a:r>
-                        <a:rPr lang="pt-PT" sz="1600">
+                        <a:rPr lang="pt-PT" sz="1600" b="1">
                           <a:solidFill>
                             <a:srgbClr val="FFF800"/>
                           </a:solidFill>
@@ -10624,7 +10624,7 @@
                         </a:rPr>
                         <a:t>MOVE</a:t>
                       </a:r>
-                      <a:endParaRPr lang="pt-BR" sz="1600">
+                      <a:endParaRPr lang="pt-BR" sz="1600" b="1">
                         <a:solidFill>
                           <a:srgbClr val="FFF800"/>
                         </a:solidFill>
@@ -10692,7 +10692,7 @@
                     <a:p>
                       <a:pPr algn="ctr"/>
                       <a:r>
-                        <a:rPr lang="pt-PT" sz="1600">
+                        <a:rPr lang="pt-PT" sz="1600" b="1" dirty="0">
                           <a:solidFill>
                             <a:srgbClr val="FFF800"/>
                           </a:solidFill>
@@ -10702,7 +10702,7 @@
                         </a:rPr>
                         <a:t>R</a:t>
                       </a:r>
-                      <a:endParaRPr lang="pt-BR" sz="1600">
+                      <a:endParaRPr lang="pt-BR" sz="1600" b="1" dirty="0">
                         <a:solidFill>
                           <a:srgbClr val="FFF800"/>
                         </a:solidFill>
@@ -10770,7 +10770,7 @@
                     <a:p>
                       <a:pPr algn="ctr"/>
                       <a:r>
-                        <a:rPr lang="pt-PT" sz="1600" dirty="0">
+                        <a:rPr lang="pt-PT" sz="1600" b="1" dirty="0">
                           <a:solidFill>
                             <a:srgbClr val="FFF800"/>
                           </a:solidFill>
@@ -10780,7 +10780,7 @@
                         </a:rPr>
                         <a:t>MOVER</a:t>
                       </a:r>
-                      <a:endParaRPr lang="pt-BR" sz="1600" dirty="0">
+                      <a:endParaRPr lang="pt-BR" sz="1600" b="1" dirty="0">
                         <a:solidFill>
                           <a:srgbClr val="FFF800"/>
                         </a:solidFill>
@@ -10848,7 +10848,7 @@
                     <a:p>
                       <a:pPr algn="ctr"/>
                       <a:r>
-                        <a:rPr lang="pt-PT" sz="1600" dirty="0">
+                        <a:rPr lang="pt-PT" sz="1600" b="1" dirty="0">
                           <a:solidFill>
                             <a:srgbClr val="FFF800"/>
                           </a:solidFill>
@@ -10858,7 +10858,7 @@
                         </a:rPr>
                         <a:t>MOVE $S0, $S1</a:t>
                       </a:r>
-                      <a:endParaRPr lang="pt-BR" sz="1600" dirty="0">
+                      <a:endParaRPr lang="pt-BR" sz="1600" b="1" dirty="0">
                         <a:solidFill>
                           <a:srgbClr val="FFF800"/>
                         </a:solidFill>
@@ -10934,7 +10934,7 @@
                         </a:spcAft>
                       </a:pPr>
                       <a:r>
-                        <a:rPr lang="pt-PT" sz="1600" dirty="0">
+                        <a:rPr lang="pt-PT" sz="1600" b="1" dirty="0">
                           <a:solidFill>
                             <a:srgbClr val="FFF800"/>
                           </a:solidFill>
@@ -10944,7 +10944,7 @@
                         </a:rPr>
                         <a:t>1000</a:t>
                       </a:r>
-                      <a:endParaRPr lang="pt-BR" sz="1600" dirty="0">
+                      <a:endParaRPr lang="pt-BR" sz="1600" b="1" dirty="0">
                         <a:solidFill>
                           <a:srgbClr val="FFF800"/>
                         </a:solidFill>
@@ -11014,7 +11014,7 @@
                     <a:p>
                       <a:pPr algn="ctr"/>
                       <a:r>
-                        <a:rPr lang="pt-PT" sz="1600">
+                        <a:rPr lang="pt-PT" sz="1600" b="1">
                           <a:solidFill>
                             <a:srgbClr val="FFF800"/>
                           </a:solidFill>
@@ -11024,7 +11024,7 @@
                         </a:rPr>
                         <a:t>li</a:t>
                       </a:r>
-                      <a:endParaRPr lang="pt-BR" sz="1600">
+                      <a:endParaRPr lang="pt-BR" sz="1600" b="1">
                         <a:solidFill>
                           <a:srgbClr val="FFF800"/>
                         </a:solidFill>
@@ -11094,7 +11094,7 @@
                     <a:p>
                       <a:pPr algn="ctr"/>
                       <a:r>
-                        <a:rPr lang="pt-PT" sz="1600">
+                        <a:rPr lang="pt-PT" sz="1600" b="1" dirty="0">
                           <a:solidFill>
                             <a:srgbClr val="FFF800"/>
                           </a:solidFill>
@@ -11104,7 +11104,7 @@
                         </a:rPr>
                         <a:t>I</a:t>
                       </a:r>
-                      <a:endParaRPr lang="pt-BR" sz="1600">
+                      <a:endParaRPr lang="pt-BR" sz="1600" b="1" dirty="0">
                         <a:solidFill>
                           <a:srgbClr val="FFF800"/>
                         </a:solidFill>
@@ -11174,7 +11174,7 @@
                     <a:p>
                       <a:pPr algn="ctr"/>
                       <a:r>
-                        <a:rPr lang="pt-PT" sz="1600" dirty="0">
+                        <a:rPr lang="pt-PT" sz="1600" b="1" dirty="0">
                           <a:solidFill>
                             <a:srgbClr val="FFF800"/>
                           </a:solidFill>
@@ -11184,7 +11184,7 @@
                         </a:rPr>
                         <a:t>LOAD IMEDIATO</a:t>
                       </a:r>
-                      <a:endParaRPr lang="pt-BR" sz="1600" dirty="0">
+                      <a:endParaRPr lang="pt-BR" sz="1600" b="1" dirty="0">
                         <a:solidFill>
                           <a:srgbClr val="FFF800"/>
                         </a:solidFill>
@@ -11254,7 +11254,7 @@
                     <a:p>
                       <a:pPr algn="ctr"/>
                       <a:r>
-                        <a:rPr lang="pt-PT" sz="1600" dirty="0">
+                        <a:rPr lang="pt-PT" sz="1600" b="1" dirty="0">
                           <a:solidFill>
                             <a:srgbClr val="FFF800"/>
                           </a:solidFill>
@@ -11264,7 +11264,7 @@
                         </a:rPr>
                         <a:t>LI $S0 1</a:t>
                       </a:r>
-                      <a:endParaRPr lang="pt-BR" sz="1600" dirty="0">
+                      <a:endParaRPr lang="pt-BR" sz="1600" b="1" dirty="0">
                         <a:solidFill>
                           <a:srgbClr val="FFF800"/>
                         </a:solidFill>
@@ -11342,7 +11342,7 @@
                         </a:spcAft>
                       </a:pPr>
                       <a:r>
-                        <a:rPr lang="pt-PT" sz="1600" dirty="0">
+                        <a:rPr lang="pt-PT" sz="1600" b="1" dirty="0">
                           <a:solidFill>
                             <a:srgbClr val="FFF800"/>
                           </a:solidFill>
@@ -11352,7 +11352,7 @@
                         </a:rPr>
                         <a:t>1001</a:t>
                       </a:r>
-                      <a:endParaRPr lang="pt-BR" sz="1600" dirty="0">
+                      <a:endParaRPr lang="pt-BR" sz="1600" b="1" dirty="0">
                         <a:solidFill>
                           <a:srgbClr val="FFF800"/>
                         </a:solidFill>
@@ -11420,7 +11420,7 @@
                     <a:p>
                       <a:pPr algn="ctr"/>
                       <a:r>
-                        <a:rPr lang="pt-PT" sz="1600">
+                        <a:rPr lang="pt-PT" sz="1600" b="1">
                           <a:solidFill>
                             <a:srgbClr val="FFF800"/>
                           </a:solidFill>
@@ -11430,7 +11430,7 @@
                         </a:rPr>
                         <a:t>BEQ</a:t>
                       </a:r>
-                      <a:endParaRPr lang="pt-BR" sz="1600">
+                      <a:endParaRPr lang="pt-BR" sz="1600" b="1">
                         <a:solidFill>
                           <a:srgbClr val="FFF800"/>
                         </a:solidFill>
@@ -11498,7 +11498,7 @@
                     <a:p>
                       <a:pPr algn="ctr"/>
                       <a:r>
-                        <a:rPr lang="pt-PT" sz="1600">
+                        <a:rPr lang="pt-PT" sz="1600" b="1">
                           <a:solidFill>
                             <a:srgbClr val="FFF800"/>
                           </a:solidFill>
@@ -11508,7 +11508,7 @@
                         </a:rPr>
                         <a:t>J</a:t>
                       </a:r>
-                      <a:endParaRPr lang="pt-BR" sz="1600">
+                      <a:endParaRPr lang="pt-BR" sz="1600" b="1">
                         <a:solidFill>
                           <a:srgbClr val="FFF800"/>
                         </a:solidFill>
@@ -11576,7 +11576,7 @@
                     <a:p>
                       <a:pPr algn="ctr"/>
                       <a:r>
-                        <a:rPr lang="pt-PT" sz="1600" dirty="0">
+                        <a:rPr lang="pt-PT" sz="1600" b="1" dirty="0">
                           <a:solidFill>
                             <a:srgbClr val="FFF800"/>
                           </a:solidFill>
@@ -11586,7 +11586,7 @@
                         </a:rPr>
                         <a:t>DESVIO CONDICIONAL</a:t>
                       </a:r>
-                      <a:endParaRPr lang="pt-BR" sz="1600" dirty="0">
+                      <a:endParaRPr lang="pt-BR" sz="1600" b="1" dirty="0">
                         <a:solidFill>
                           <a:srgbClr val="FFF800"/>
                         </a:solidFill>
@@ -11654,7 +11654,7 @@
                     <a:p>
                       <a:pPr algn="ctr"/>
                       <a:r>
-                        <a:rPr lang="pt-PT" sz="1600" dirty="0">
+                        <a:rPr lang="pt-PT" sz="1600" b="1" dirty="0">
                           <a:solidFill>
                             <a:srgbClr val="FFF800"/>
                           </a:solidFill>
@@ -11664,7 +11664,7 @@
                         </a:rPr>
                         <a:t>BEQ ENDEREÇO</a:t>
                       </a:r>
-                      <a:endParaRPr lang="pt-BR" sz="1600" dirty="0">
+                      <a:endParaRPr lang="pt-BR" sz="1600" b="1" dirty="0">
                         <a:solidFill>
                           <a:srgbClr val="FFF800"/>
                         </a:solidFill>
@@ -11740,7 +11740,7 @@
                         </a:spcAft>
                       </a:pPr>
                       <a:r>
-                        <a:rPr lang="pt-PT" sz="1600" dirty="0">
+                        <a:rPr lang="pt-PT" sz="1600" b="1" dirty="0">
                           <a:solidFill>
                             <a:srgbClr val="FFF800"/>
                           </a:solidFill>
@@ -11750,7 +11750,7 @@
                         </a:rPr>
                         <a:t>1010</a:t>
                       </a:r>
-                      <a:endParaRPr lang="pt-BR" sz="1600" dirty="0">
+                      <a:endParaRPr lang="pt-BR" sz="1600" b="1" dirty="0">
                         <a:solidFill>
                           <a:srgbClr val="FFF800"/>
                         </a:solidFill>
@@ -11820,7 +11820,7 @@
                     <a:p>
                       <a:pPr algn="ctr"/>
                       <a:r>
-                        <a:rPr lang="pt-PT" sz="1600">
+                        <a:rPr lang="pt-PT" sz="1600" b="1">
                           <a:solidFill>
                             <a:srgbClr val="FFF800"/>
                           </a:solidFill>
@@ -11830,7 +11830,7 @@
                         </a:rPr>
                         <a:t>BNE</a:t>
                       </a:r>
-                      <a:endParaRPr lang="pt-BR" sz="1600">
+                      <a:endParaRPr lang="pt-BR" sz="1600" b="1">
                         <a:solidFill>
                           <a:srgbClr val="FFF800"/>
                         </a:solidFill>
@@ -11900,7 +11900,7 @@
                     <a:p>
                       <a:pPr algn="ctr"/>
                       <a:r>
-                        <a:rPr lang="pt-PT" sz="1600">
+                        <a:rPr lang="pt-PT" sz="1600" b="1">
                           <a:solidFill>
                             <a:srgbClr val="FFF800"/>
                           </a:solidFill>
@@ -11910,7 +11910,7 @@
                         </a:rPr>
                         <a:t>J</a:t>
                       </a:r>
-                      <a:endParaRPr lang="pt-BR" sz="1600">
+                      <a:endParaRPr lang="pt-BR" sz="1600" b="1">
                         <a:solidFill>
                           <a:srgbClr val="FFF800"/>
                         </a:solidFill>
@@ -11980,7 +11980,7 @@
                     <a:p>
                       <a:pPr algn="ctr"/>
                       <a:r>
-                        <a:rPr lang="pt-PT" sz="1600" dirty="0">
+                        <a:rPr lang="pt-PT" sz="1600" b="1" dirty="0">
                           <a:solidFill>
                             <a:srgbClr val="FFF800"/>
                           </a:solidFill>
@@ -11990,7 +11990,7 @@
                         </a:rPr>
                         <a:t>DESVIO CONDICIONAL</a:t>
                       </a:r>
-                      <a:endParaRPr lang="pt-BR" sz="1600" dirty="0">
+                      <a:endParaRPr lang="pt-BR" sz="1600" b="1" dirty="0">
                         <a:solidFill>
                           <a:srgbClr val="FFF800"/>
                         </a:solidFill>
@@ -12060,7 +12060,7 @@
                     <a:p>
                       <a:pPr algn="ctr"/>
                       <a:r>
-                        <a:rPr lang="pt-PT" sz="1600" dirty="0">
+                        <a:rPr lang="pt-PT" sz="1600" b="1" dirty="0">
                           <a:solidFill>
                             <a:srgbClr val="FFF800"/>
                           </a:solidFill>
@@ -12070,7 +12070,7 @@
                         </a:rPr>
                         <a:t>BNE ENDEREÇO</a:t>
                       </a:r>
-                      <a:endParaRPr lang="pt-BR" sz="1600" dirty="0">
+                      <a:endParaRPr lang="pt-BR" sz="1600" b="1" dirty="0">
                         <a:solidFill>
                           <a:srgbClr val="FFF800"/>
                         </a:solidFill>
@@ -12148,7 +12148,7 @@
                         </a:spcAft>
                       </a:pPr>
                       <a:r>
-                        <a:rPr lang="pt-PT" sz="1600" dirty="0">
+                        <a:rPr lang="pt-PT" sz="1600" b="1" dirty="0">
                           <a:solidFill>
                             <a:srgbClr val="FFF800"/>
                           </a:solidFill>
@@ -12158,7 +12158,7 @@
                         </a:rPr>
                         <a:t>1011</a:t>
                       </a:r>
-                      <a:endParaRPr lang="pt-BR" sz="1600" dirty="0">
+                      <a:endParaRPr lang="pt-BR" sz="1600" b="1" dirty="0">
                         <a:solidFill>
                           <a:srgbClr val="FFF800"/>
                         </a:solidFill>
@@ -12226,7 +12226,7 @@
                     <a:p>
                       <a:pPr algn="ctr"/>
                       <a:r>
-                        <a:rPr lang="pt-PT" sz="1600" dirty="0">
+                        <a:rPr lang="pt-PT" sz="1600" b="1" dirty="0">
                           <a:solidFill>
                             <a:srgbClr val="FFF800"/>
                           </a:solidFill>
@@ -12236,7 +12236,7 @@
                         </a:rPr>
                         <a:t>IF BEQ E BNE</a:t>
                       </a:r>
-                      <a:endParaRPr lang="pt-BR" sz="1600" dirty="0">
+                      <a:endParaRPr lang="pt-BR" sz="1600" b="1" dirty="0">
                         <a:solidFill>
                           <a:srgbClr val="FFF800"/>
                         </a:solidFill>
@@ -12304,7 +12304,7 @@
                     <a:p>
                       <a:pPr algn="ctr"/>
                       <a:r>
-                        <a:rPr lang="pt-PT" sz="1600">
+                        <a:rPr lang="pt-PT" sz="1600" b="1">
                           <a:solidFill>
                             <a:srgbClr val="FFF800"/>
                           </a:solidFill>
@@ -12314,7 +12314,7 @@
                         </a:rPr>
                         <a:t>R</a:t>
                       </a:r>
-                      <a:endParaRPr lang="pt-BR" sz="1600">
+                      <a:endParaRPr lang="pt-BR" sz="1600" b="1">
                         <a:solidFill>
                           <a:srgbClr val="FFF800"/>
                         </a:solidFill>
@@ -12382,7 +12382,7 @@
                     <a:p>
                       <a:pPr algn="ctr"/>
                       <a:r>
-                        <a:rPr lang="pt-PT" sz="1600">
+                        <a:rPr lang="pt-PT" sz="1600" b="1" dirty="0">
                           <a:solidFill>
                             <a:srgbClr val="FFF800"/>
                           </a:solidFill>
@@ -12392,7 +12392,7 @@
                         </a:rPr>
                         <a:t>CONDIÇÃO PARA DESVIO</a:t>
                       </a:r>
-                      <a:endParaRPr lang="pt-BR" sz="1600">
+                      <a:endParaRPr lang="pt-BR" sz="1600" b="1" dirty="0">
                         <a:solidFill>
                           <a:srgbClr val="FFF800"/>
                         </a:solidFill>
@@ -12460,7 +12460,7 @@
                     <a:p>
                       <a:pPr algn="ctr"/>
                       <a:r>
-                        <a:rPr lang="pt-PT" sz="1600" dirty="0">
+                        <a:rPr lang="pt-PT" sz="1600" b="1" dirty="0">
                           <a:solidFill>
                             <a:srgbClr val="FFF800"/>
                           </a:solidFill>
@@ -12470,7 +12470,7 @@
                         </a:rPr>
                         <a:t>IF $S0 $S1</a:t>
                       </a:r>
-                      <a:endParaRPr lang="pt-BR" sz="1600" dirty="0">
+                      <a:endParaRPr lang="pt-BR" sz="1600" b="1" dirty="0">
                         <a:solidFill>
                           <a:srgbClr val="FFF800"/>
                         </a:solidFill>
@@ -12546,7 +12546,7 @@
                         </a:spcAft>
                       </a:pPr>
                       <a:r>
-                        <a:rPr lang="pt-PT" sz="1600" dirty="0">
+                        <a:rPr lang="pt-PT" sz="1600" b="1" dirty="0">
                           <a:solidFill>
                             <a:srgbClr val="FFF800"/>
                           </a:solidFill>
@@ -12556,7 +12556,7 @@
                         </a:rPr>
                         <a:t>1100</a:t>
                       </a:r>
-                      <a:endParaRPr lang="pt-BR" sz="1600" dirty="0">
+                      <a:endParaRPr lang="pt-BR" sz="1600" b="1" dirty="0">
                         <a:solidFill>
                           <a:srgbClr val="FFF800"/>
                         </a:solidFill>
@@ -12620,7 +12620,7 @@
                     <a:p>
                       <a:pPr algn="ctr"/>
                       <a:r>
-                        <a:rPr lang="pt-PT" sz="1600" dirty="0">
+                        <a:rPr lang="pt-PT" sz="1600" b="1" dirty="0">
                           <a:solidFill>
                             <a:srgbClr val="FFF800"/>
                           </a:solidFill>
@@ -12630,7 +12630,7 @@
                         </a:rPr>
                         <a:t>J</a:t>
                       </a:r>
-                      <a:endParaRPr lang="pt-BR" sz="1600" dirty="0">
+                      <a:endParaRPr lang="pt-BR" sz="1600" b="1" dirty="0">
                         <a:solidFill>
                           <a:srgbClr val="FFF800"/>
                         </a:solidFill>
@@ -12694,7 +12694,7 @@
                     <a:p>
                       <a:pPr algn="ctr"/>
                       <a:r>
-                        <a:rPr lang="pt-PT" sz="1600" dirty="0">
+                        <a:rPr lang="pt-PT" sz="1600" b="1" dirty="0">
                           <a:solidFill>
                             <a:srgbClr val="FFF800"/>
                           </a:solidFill>
@@ -12704,7 +12704,7 @@
                         </a:rPr>
                         <a:t>J</a:t>
                       </a:r>
-                      <a:endParaRPr lang="pt-BR" sz="1600" dirty="0">
+                      <a:endParaRPr lang="pt-BR" sz="1600" b="1" dirty="0">
                         <a:solidFill>
                           <a:srgbClr val="FFF800"/>
                         </a:solidFill>
@@ -12768,7 +12768,7 @@
                     <a:p>
                       <a:pPr algn="ctr"/>
                       <a:r>
-                        <a:rPr lang="pt-PT" sz="1600" dirty="0">
+                        <a:rPr lang="pt-PT" sz="1600" b="1" dirty="0">
                           <a:solidFill>
                             <a:srgbClr val="FFF800"/>
                           </a:solidFill>
@@ -12778,7 +12778,7 @@
                         </a:rPr>
                         <a:t>DESVIO INCONDICIONAL</a:t>
                       </a:r>
-                      <a:endParaRPr lang="pt-BR" sz="1600" dirty="0">
+                      <a:endParaRPr lang="pt-BR" sz="1600" b="1" dirty="0">
                         <a:solidFill>
                           <a:srgbClr val="FFF800"/>
                         </a:solidFill>
@@ -12842,7 +12842,7 @@
                     <a:p>
                       <a:pPr algn="ctr"/>
                       <a:r>
-                        <a:rPr lang="pt-PT" sz="1600" dirty="0">
+                        <a:rPr lang="pt-PT" sz="1600" b="1" dirty="0">
                           <a:solidFill>
                             <a:srgbClr val="FFF800"/>
                           </a:solidFill>
@@ -12852,7 +12852,7 @@
                         </a:rPr>
                         <a:t>J ENDEREÇO (0000)</a:t>
                       </a:r>
-                      <a:endParaRPr lang="pt-BR" sz="1600" dirty="0">
+                      <a:endParaRPr lang="pt-BR" sz="1600" b="1" dirty="0">
                         <a:solidFill>
                           <a:srgbClr val="FFF800"/>
                         </a:solidFill>
@@ -28058,7 +28058,7 @@
                 <a:latin typeface="Arial" panose="020B0604020202020204" pitchFamily="34" charset="0"/>
                 <a:cs typeface="Arial" panose="020B0604020202020204" pitchFamily="34" charset="0"/>
               </a:rPr>
-              <a:t>Dado a pouca quantidade de bits que possuímos, trabalhar com divisão torna-se limitado;</a:t>
+              <a:t>Dado a pouca quantidade de bits que possuímos, trabalhar com divisão torna-se limitado, por tal fato, optamos por não adicionar;</a:t>
             </a:r>
           </a:p>
           <a:p>

--- a/APRESENTACAO/apresentacao.pptx
+++ b/APRESENTACAO/apresentacao.pptx
@@ -281,7 +281,7 @@
           <a:p>
             <a:fld id="{E15B38FB-04B5-4A07-9A3C-20457B070B27}" type="datetimeFigureOut">
               <a:rPr lang="pt-BR" smtClean="0"/>
-              <a:t>16/05/2021</a:t>
+              <a:t>18/05/2021</a:t>
             </a:fld>
             <a:endParaRPr lang="pt-BR"/>
           </a:p>
@@ -479,7 +479,7 @@
           <a:p>
             <a:fld id="{E15B38FB-04B5-4A07-9A3C-20457B070B27}" type="datetimeFigureOut">
               <a:rPr lang="pt-BR" smtClean="0"/>
-              <a:t>16/05/2021</a:t>
+              <a:t>18/05/2021</a:t>
             </a:fld>
             <a:endParaRPr lang="pt-BR"/>
           </a:p>
@@ -687,7 +687,7 @@
           <a:p>
             <a:fld id="{E15B38FB-04B5-4A07-9A3C-20457B070B27}" type="datetimeFigureOut">
               <a:rPr lang="pt-BR" smtClean="0"/>
-              <a:t>16/05/2021</a:t>
+              <a:t>18/05/2021</a:t>
             </a:fld>
             <a:endParaRPr lang="pt-BR"/>
           </a:p>
@@ -885,7 +885,7 @@
           <a:p>
             <a:fld id="{E15B38FB-04B5-4A07-9A3C-20457B070B27}" type="datetimeFigureOut">
               <a:rPr lang="pt-BR" smtClean="0"/>
-              <a:t>16/05/2021</a:t>
+              <a:t>18/05/2021</a:t>
             </a:fld>
             <a:endParaRPr lang="pt-BR"/>
           </a:p>
@@ -1160,7 +1160,7 @@
           <a:p>
             <a:fld id="{E15B38FB-04B5-4A07-9A3C-20457B070B27}" type="datetimeFigureOut">
               <a:rPr lang="pt-BR" smtClean="0"/>
-              <a:t>16/05/2021</a:t>
+              <a:t>18/05/2021</a:t>
             </a:fld>
             <a:endParaRPr lang="pt-BR"/>
           </a:p>
@@ -1425,7 +1425,7 @@
           <a:p>
             <a:fld id="{E15B38FB-04B5-4A07-9A3C-20457B070B27}" type="datetimeFigureOut">
               <a:rPr lang="pt-BR" smtClean="0"/>
-              <a:t>16/05/2021</a:t>
+              <a:t>18/05/2021</a:t>
             </a:fld>
             <a:endParaRPr lang="pt-BR"/>
           </a:p>
@@ -1837,7 +1837,7 @@
           <a:p>
             <a:fld id="{E15B38FB-04B5-4A07-9A3C-20457B070B27}" type="datetimeFigureOut">
               <a:rPr lang="pt-BR" smtClean="0"/>
-              <a:t>16/05/2021</a:t>
+              <a:t>18/05/2021</a:t>
             </a:fld>
             <a:endParaRPr lang="pt-BR"/>
           </a:p>
@@ -1978,7 +1978,7 @@
           <a:p>
             <a:fld id="{E15B38FB-04B5-4A07-9A3C-20457B070B27}" type="datetimeFigureOut">
               <a:rPr lang="pt-BR" smtClean="0"/>
-              <a:t>16/05/2021</a:t>
+              <a:t>18/05/2021</a:t>
             </a:fld>
             <a:endParaRPr lang="pt-BR"/>
           </a:p>
@@ -2091,7 +2091,7 @@
           <a:p>
             <a:fld id="{E15B38FB-04B5-4A07-9A3C-20457B070B27}" type="datetimeFigureOut">
               <a:rPr lang="pt-BR" smtClean="0"/>
-              <a:t>16/05/2021</a:t>
+              <a:t>18/05/2021</a:t>
             </a:fld>
             <a:endParaRPr lang="pt-BR"/>
           </a:p>
@@ -2402,7 +2402,7 @@
           <a:p>
             <a:fld id="{E15B38FB-04B5-4A07-9A3C-20457B070B27}" type="datetimeFigureOut">
               <a:rPr lang="pt-BR" smtClean="0"/>
-              <a:t>16/05/2021</a:t>
+              <a:t>18/05/2021</a:t>
             </a:fld>
             <a:endParaRPr lang="pt-BR"/>
           </a:p>
@@ -2690,7 +2690,7 @@
           <a:p>
             <a:fld id="{E15B38FB-04B5-4A07-9A3C-20457B070B27}" type="datetimeFigureOut">
               <a:rPr lang="pt-BR" smtClean="0"/>
-              <a:t>16/05/2021</a:t>
+              <a:t>18/05/2021</a:t>
             </a:fld>
             <a:endParaRPr lang="pt-BR"/>
           </a:p>
@@ -2931,7 +2931,7 @@
           <a:p>
             <a:fld id="{E15B38FB-04B5-4A07-9A3C-20457B070B27}" type="datetimeFigureOut">
               <a:rPr lang="pt-BR" smtClean="0"/>
-              <a:t>16/05/2021</a:t>
+              <a:t>18/05/2021</a:t>
             </a:fld>
             <a:endParaRPr lang="pt-BR"/>
           </a:p>
@@ -4670,7 +4670,7 @@
                 <a:latin typeface="Arial" panose="020B0604020202020204" pitchFamily="34" charset="0"/>
                 <a:cs typeface="Arial" panose="020B0604020202020204" pitchFamily="34" charset="0"/>
               </a:rPr>
-              <a:t>SOBRE O PROJETO</a:t>
+              <a:t>RESUMO</a:t>
             </a:r>
           </a:p>
         </p:txBody>
@@ -5734,7 +5734,7 @@
           <p:nvPr>
             <p:extLst>
               <p:ext uri="{D42A27DB-BD31-4B8C-83A1-F6EECF244321}">
-                <p14:modId xmlns:p14="http://schemas.microsoft.com/office/powerpoint/2010/main" val="1567237910"/>
+                <p14:modId xmlns:p14="http://schemas.microsoft.com/office/powerpoint/2010/main" val="701317023"/>
               </p:ext>
             </p:extLst>
           </p:nvPr>
@@ -6045,7 +6045,7 @@
                           <a:latin typeface="Arial" panose="020B0604020202020204" pitchFamily="34" charset="0"/>
                           <a:cs typeface="Arial" panose="020B0604020202020204" pitchFamily="34" charset="0"/>
                         </a:rPr>
-                        <a:t>REG2</a:t>
+                        <a:t>REG2/CONST</a:t>
                       </a:r>
                       <a:endParaRPr lang="pt-BR" sz="1600" b="1" dirty="0">
                         <a:solidFill>
@@ -13576,13 +13576,13 @@
           <p:nvPr>
             <p:extLst>
               <p:ext uri="{D42A27DB-BD31-4B8C-83A1-F6EECF244321}">
-                <p14:modId xmlns:p14="http://schemas.microsoft.com/office/powerpoint/2010/main" val="1294251332"/>
+                <p14:modId xmlns:p14="http://schemas.microsoft.com/office/powerpoint/2010/main" val="3625922226"/>
               </p:ext>
             </p:extLst>
           </p:nvPr>
         </p:nvGraphicFramePr>
         <p:xfrm>
-          <a:off x="3556650" y="817941"/>
+          <a:off x="3493150" y="436941"/>
           <a:ext cx="8335099" cy="5609770"/>
         </p:xfrm>
         <a:graphic>
